--- a/Mignot/Diapos/ppt/S1 - diapo DECA2.pptx
+++ b/Mignot/Diapos/ppt/S1 - diapo DECA2.pptx
@@ -211,7 +211,7 @@
           <a:p>
             <a:fld id="{CCD25262-7ADE-304A-B1BB-4A7EDACB30E0}" type="datetimeFigureOut">
               <a:rPr lang="fr-FR" smtClean="0"/>
-              <a:t>17/12/2024</a:t>
+              <a:t>06/01/2025</a:t>
             </a:fld>
             <a:endParaRPr lang="fr-FR"/>
           </a:p>
@@ -7225,22 +7225,6 @@
             </a:r>
           </a:p>
           <a:p>
-            <a:pPr lvl="1">
-              <a:buFont typeface="Wingdings" pitchFamily="2" charset="2"/>
-              <a:buChar char="§"/>
-            </a:pPr>
-            <a:r>
-              <a:rPr lang="fr-FR" dirty="0">
-                <a:effectLst/>
-                <a:hlinkClick r:id="rId2"/>
-              </a:rPr>
-              <a:t>https://ee-eu.kobotoolbox.org/single/cd663db88fdd535ceeeacca06fc991a3</a:t>
-            </a:r>
-            <a:endParaRPr lang="fr-FR" dirty="0">
-              <a:effectLst/>
-            </a:endParaRPr>
-          </a:p>
-          <a:p>
             <a:pPr>
               <a:buFont typeface="Arial" panose="020B0604020202020204" pitchFamily="34" charset="0"/>
               <a:buChar char="•"/>
@@ -7249,7 +7233,7 @@
               <a:rPr lang="fr-FR" dirty="0">
                 <a:effectLst/>
               </a:rPr>
-              <a:t> Maitriser les manipulations dans JAMOVI et notions stat d’une séance à l’autre</a:t>
+              <a:t>Maitriser les manipulations dans JAMOVI et notions stat d’une séance à l’autre</a:t>
             </a:r>
           </a:p>
           <a:p>
@@ -7393,7 +7377,7 @@
             <p:ph sz="half" idx="1"/>
             <p:extLst>
               <p:ext uri="{D42A27DB-BD31-4B8C-83A1-F6EECF244321}">
-                <p14:modId xmlns:p14="http://schemas.microsoft.com/office/powerpoint/2010/main" val="4150265975"/>
+                <p14:modId xmlns:p14="http://schemas.microsoft.com/office/powerpoint/2010/main" val="2798558021"/>
               </p:ext>
             </p:extLst>
           </p:nvPr>
@@ -7541,12 +7525,12 @@
                         </a:spcAft>
                       </a:pPr>
                       <a:r>
-                        <a:rPr lang="fr-FR" sz="1800">
+                        <a:rPr lang="fr-FR" sz="1800" dirty="0">
                           <a:effectLst/>
                         </a:rPr>
-                        <a:t>40 %</a:t>
+                        <a:t>50 %</a:t>
                       </a:r>
-                      <a:endParaRPr lang="fr-FR" sz="1800">
+                      <a:endParaRPr lang="fr-FR" sz="1800" dirty="0">
                         <a:effectLst/>
                         <a:latin typeface="Calibri" panose="020F0502020204030204" pitchFamily="34" charset="0"/>
                         <a:ea typeface="Calibri" panose="020F0502020204030204" pitchFamily="34" charset="0"/>
@@ -7609,7 +7593,7 @@
                         <a:rPr lang="fr-FR" sz="1800" dirty="0">
                           <a:effectLst/>
                         </a:rPr>
-                        <a:t>35 % </a:t>
+                        <a:t>30 % </a:t>
                       </a:r>
                       <a:endParaRPr lang="fr-FR" sz="1800" dirty="0">
                         <a:effectLst/>
@@ -7674,7 +7658,7 @@
                         <a:rPr lang="fr-FR" sz="1800" dirty="0">
                           <a:effectLst/>
                         </a:rPr>
-                        <a:t>25 % </a:t>
+                        <a:t>20 % </a:t>
                       </a:r>
                       <a:endParaRPr lang="fr-FR" sz="1800" dirty="0">
                         <a:effectLst/>

--- a/Mignot/Diapos/ppt/S1 - diapo DECA2.pptx
+++ b/Mignot/Diapos/ppt/S1 - diapo DECA2.pptx
@@ -4579,7 +4579,7 @@
         <p:spPr/>
         <p:txBody>
           <a:bodyPr>
-            <a:normAutofit fontScale="85000" lnSpcReduction="10000"/>
+            <a:normAutofit fontScale="92500" lnSpcReduction="20000"/>
           </a:bodyPr>
           <a:lstStyle/>
           <a:p>
@@ -4603,8 +4603,17 @@
               <a:rPr lang="fr-FR" dirty="0">
                 <a:effectLst/>
               </a:rPr>
-              <a:t>(question posée - jeu de données mobilisé) et retroplanning (avec calage de créneaux de réunion de travail collectif + répartition du travail-qui a fait quoi).</a:t>
-            </a:r>
+              <a:t>(question posée - jeu de </a:t>
+            </a:r>
+            <a:r>
+              <a:rPr lang="fr-FR">
+                <a:effectLst/>
+              </a:rPr>
+              <a:t>données mobilisé).</a:t>
+            </a:r>
+            <a:endParaRPr lang="fr-FR" dirty="0">
+              <a:effectLst/>
+            </a:endParaRPr>
           </a:p>
           <a:p>
             <a:pPr marL="457200" lvl="0" indent="-457200" algn="just">
